--- a/AIDE/About/Images/PlantImagesAndButtons.pptx
+++ b/AIDE/About/Images/PlantImagesAndButtons.pptx
@@ -5,7 +5,7 @@
     <p:sldMasterId id="2147483659" r:id="rId1"/>
   </p:sldMasterIdLst>
   <p:notesMasterIdLst>
-    <p:notesMasterId r:id="rId9"/>
+    <p:notesMasterId r:id="rId10"/>
   </p:notesMasterIdLst>
   <p:sldIdLst>
     <p:sldId id="258" r:id="rId2"/>
@@ -15,37 +15,38 @@
     <p:sldId id="267" r:id="rId6"/>
     <p:sldId id="269" r:id="rId7"/>
     <p:sldId id="268" r:id="rId8"/>
+    <p:sldId id="270" r:id="rId9"/>
   </p:sldIdLst>
   <p:sldSz cx="12192000" cy="6858000"/>
   <p:notesSz cx="6858000" cy="9144000"/>
   <p:embeddedFontLst>
     <p:embeddedFont>
       <p:font typeface="Calibri" panose="020F0502020204030204" pitchFamily="34" charset="0"/>
-      <p:regular r:id="rId10"/>
-      <p:bold r:id="rId11"/>
-      <p:italic r:id="rId12"/>
-      <p:boldItalic r:id="rId13"/>
+      <p:regular r:id="rId11"/>
+      <p:bold r:id="rId12"/>
+      <p:italic r:id="rId13"/>
+      <p:boldItalic r:id="rId14"/>
     </p:embeddedFont>
     <p:embeddedFont>
       <p:font typeface="Lato" panose="020F0502020204030203" pitchFamily="34" charset="0"/>
-      <p:regular r:id="rId14"/>
-      <p:bold r:id="rId15"/>
-      <p:italic r:id="rId16"/>
-      <p:boldItalic r:id="rId17"/>
+      <p:regular r:id="rId15"/>
+      <p:bold r:id="rId16"/>
+      <p:italic r:id="rId17"/>
+      <p:boldItalic r:id="rId18"/>
     </p:embeddedFont>
     <p:embeddedFont>
       <p:font typeface="Lato Light" panose="020F0302020204030203" pitchFamily="34" charset="0"/>
-      <p:regular r:id="rId18"/>
-      <p:bold r:id="rId19"/>
-      <p:italic r:id="rId20"/>
-      <p:boldItalic r:id="rId21"/>
+      <p:regular r:id="rId19"/>
+      <p:bold r:id="rId20"/>
+      <p:italic r:id="rId21"/>
+      <p:boldItalic r:id="rId22"/>
     </p:embeddedFont>
     <p:embeddedFont>
       <p:font typeface="PT Sans" panose="020B0604020202020204" charset="0"/>
-      <p:regular r:id="rId22"/>
-      <p:bold r:id="rId23"/>
-      <p:italic r:id="rId24"/>
-      <p:boldItalic r:id="rId25"/>
+      <p:regular r:id="rId23"/>
+      <p:bold r:id="rId24"/>
+      <p:italic r:id="rId25"/>
+      <p:boldItalic r:id="rId26"/>
     </p:embeddedFont>
   </p:embeddedFontLst>
   <p:defaultTextStyle>
@@ -18038,6 +18039,143 @@
 </p:sld>
 </file>
 
+<file path=ppt/slides/slide8.xml><?xml version="1.0" encoding="utf-8"?>
+<p:sld xmlns:a="http://schemas.openxmlformats.org/drawingml/2006/main" xmlns:r="http://schemas.openxmlformats.org/officeDocument/2006/relationships" xmlns:p="http://schemas.openxmlformats.org/presentationml/2006/main">
+  <p:cSld>
+    <p:spTree>
+      <p:nvGrpSpPr>
+        <p:cNvPr id="1" name=""/>
+        <p:cNvGrpSpPr/>
+        <p:nvPr/>
+      </p:nvGrpSpPr>
+      <p:grpSpPr>
+        <a:xfrm>
+          <a:off x="0" y="0"/>
+          <a:ext cx="0" cy="0"/>
+          <a:chOff x="0" y="0"/>
+          <a:chExt cx="0" cy="0"/>
+        </a:xfrm>
+      </p:grpSpPr>
+      <p:pic>
+        <p:nvPicPr>
+          <p:cNvPr id="3" name="Picture 2">
+            <a:extLst>
+              <a:ext uri="{FF2B5EF4-FFF2-40B4-BE49-F238E27FC236}">
+                <a16:creationId xmlns:a16="http://schemas.microsoft.com/office/drawing/2014/main" id="{EFEA73BF-A91B-4239-8959-EC66276A23FE}"/>
+              </a:ext>
+            </a:extLst>
+          </p:cNvPr>
+          <p:cNvPicPr>
+            <a:picLocks noChangeAspect="1"/>
+          </p:cNvPicPr>
+          <p:nvPr/>
+        </p:nvPicPr>
+        <p:blipFill>
+          <a:blip r:embed="rId2"/>
+          <a:stretch>
+            <a:fillRect/>
+          </a:stretch>
+        </p:blipFill>
+        <p:spPr>
+          <a:xfrm>
+            <a:off x="1123256" y="685417"/>
+            <a:ext cx="9945488" cy="5487166"/>
+          </a:xfrm>
+          <a:prstGeom prst="rect">
+            <a:avLst/>
+          </a:prstGeom>
+        </p:spPr>
+      </p:pic>
+      <p:sp>
+        <p:nvSpPr>
+          <p:cNvPr id="2" name="Title 1">
+            <a:extLst>
+              <a:ext uri="{FF2B5EF4-FFF2-40B4-BE49-F238E27FC236}">
+                <a16:creationId xmlns:a16="http://schemas.microsoft.com/office/drawing/2014/main" id="{680B840A-DDE0-4086-825E-31E443A02A63}"/>
+              </a:ext>
+            </a:extLst>
+          </p:cNvPr>
+          <p:cNvSpPr>
+            <a:spLocks noGrp="1"/>
+          </p:cNvSpPr>
+          <p:nvPr>
+            <p:ph type="title"/>
+          </p:nvPr>
+        </p:nvSpPr>
+        <p:spPr/>
+        <p:txBody>
+          <a:bodyPr/>
+          <a:lstStyle/>
+          <a:p>
+            <a:endParaRPr lang="en-US"/>
+          </a:p>
+        </p:txBody>
+      </p:sp>
+      <p:sp>
+        <p:nvSpPr>
+          <p:cNvPr id="5" name="Rectangle: Rounded Corners 4">
+            <a:extLst>
+              <a:ext uri="{FF2B5EF4-FFF2-40B4-BE49-F238E27FC236}">
+                <a16:creationId xmlns:a16="http://schemas.microsoft.com/office/drawing/2014/main" id="{6C93A9CB-2A1A-4B61-90C5-FD61FE419896}"/>
+              </a:ext>
+            </a:extLst>
+          </p:cNvPr>
+          <p:cNvSpPr/>
+          <p:nvPr/>
+        </p:nvSpPr>
+        <p:spPr>
+          <a:xfrm>
+            <a:off x="5704114" y="1275099"/>
+            <a:ext cx="5413829" cy="3529130"/>
+          </a:xfrm>
+          <a:prstGeom prst="roundRect">
+            <a:avLst/>
+          </a:prstGeom>
+          <a:noFill/>
+          <a:ln w="38100">
+            <a:solidFill>
+              <a:srgbClr val="C00000"/>
+            </a:solidFill>
+          </a:ln>
+        </p:spPr>
+        <p:style>
+          <a:lnRef idx="2">
+            <a:schemeClr val="accent1">
+              <a:shade val="50000"/>
+            </a:schemeClr>
+          </a:lnRef>
+          <a:fillRef idx="1">
+            <a:schemeClr val="accent1"/>
+          </a:fillRef>
+          <a:effectRef idx="0">
+            <a:schemeClr val="accent1"/>
+          </a:effectRef>
+          <a:fontRef idx="minor">
+            <a:schemeClr val="lt1"/>
+          </a:fontRef>
+        </p:style>
+        <p:txBody>
+          <a:bodyPr rtlCol="0" anchor="ctr"/>
+          <a:lstStyle/>
+          <a:p>
+            <a:pPr algn="ctr"/>
+            <a:endParaRPr lang="en-US"/>
+          </a:p>
+        </p:txBody>
+      </p:sp>
+    </p:spTree>
+    <p:extLst>
+      <p:ext uri="{BB962C8B-B14F-4D97-AF65-F5344CB8AC3E}">
+        <p14:creationId xmlns:p14="http://schemas.microsoft.com/office/powerpoint/2010/main" val="3577261537"/>
+      </p:ext>
+    </p:extLst>
+  </p:cSld>
+  <p:clrMapOvr>
+    <a:masterClrMapping/>
+  </p:clrMapOvr>
+</p:sld>
+</file>
+
 <file path=ppt/theme/theme1.xml><?xml version="1.0" encoding="utf-8"?>
 <a:theme xmlns:a="http://schemas.openxmlformats.org/drawingml/2006/main" name="Office Theme">
   <a:themeElements>

--- a/AIDE/About/Images/PlantImagesAndButtons.pptx
+++ b/AIDE/About/Images/PlantImagesAndButtons.pptx
@@ -16561,103 +16561,124 @@
           </a:prstGeom>
         </p:spPr>
       </p:pic>
-      <p:sp>
-        <p:nvSpPr>
-          <p:cNvPr id="9" name="Rectangle: Rounded Corners 8">
+      <p:grpSp>
+        <p:nvGrpSpPr>
+          <p:cNvPr id="14" name="Group 13">
             <a:extLst>
               <a:ext uri="{FF2B5EF4-FFF2-40B4-BE49-F238E27FC236}">
-                <a16:creationId xmlns:a16="http://schemas.microsoft.com/office/drawing/2014/main" id="{1D294F77-BEE6-4EC7-9B8D-8FCD9C6BF9B3}"/>
+                <a16:creationId xmlns:a16="http://schemas.microsoft.com/office/drawing/2014/main" id="{CEBD1665-054A-42C8-9493-F8E9B3E9D148}"/>
               </a:ext>
             </a:extLst>
           </p:cNvPr>
-          <p:cNvSpPr/>
+          <p:cNvGrpSpPr/>
           <p:nvPr/>
-        </p:nvSpPr>
-        <p:spPr>
+        </p:nvGrpSpPr>
+        <p:grpSpPr>
           <a:xfrm>
             <a:off x="3316582" y="4339720"/>
-            <a:ext cx="2691186" cy="457200"/>
+            <a:ext cx="2355798" cy="457200"/>
+            <a:chOff x="3316582" y="4339720"/>
+            <a:chExt cx="2355798" cy="457200"/>
           </a:xfrm>
-          <a:prstGeom prst="roundRect">
-            <a:avLst>
-              <a:gd name="adj" fmla="val 50000"/>
-            </a:avLst>
-          </a:prstGeom>
-          <a:solidFill>
-            <a:srgbClr val="1F4E79"/>
-          </a:solidFill>
-          <a:ln>
+        </p:grpSpPr>
+        <p:sp>
+          <p:nvSpPr>
+            <p:cNvPr id="9" name="Rectangle: Rounded Corners 8">
+              <a:extLst>
+                <a:ext uri="{FF2B5EF4-FFF2-40B4-BE49-F238E27FC236}">
+                  <a16:creationId xmlns:a16="http://schemas.microsoft.com/office/drawing/2014/main" id="{1D294F77-BEE6-4EC7-9B8D-8FCD9C6BF9B3}"/>
+                </a:ext>
+              </a:extLst>
+            </p:cNvPr>
+            <p:cNvSpPr/>
+            <p:nvPr/>
+          </p:nvSpPr>
+          <p:spPr>
+            <a:xfrm>
+              <a:off x="3316582" y="4339720"/>
+              <a:ext cx="2355798" cy="457200"/>
+            </a:xfrm>
+            <a:prstGeom prst="roundRect">
+              <a:avLst>
+                <a:gd name="adj" fmla="val 50000"/>
+              </a:avLst>
+            </a:prstGeom>
             <a:solidFill>
-              <a:srgbClr val="39B54A"/>
+              <a:srgbClr val="1F4E79"/>
             </a:solidFill>
-          </a:ln>
-        </p:spPr>
-        <p:style>
-          <a:lnRef idx="2">
-            <a:schemeClr val="accent1">
-              <a:shade val="50000"/>
-            </a:schemeClr>
-          </a:lnRef>
-          <a:fillRef idx="1">
-            <a:schemeClr val="accent1"/>
-          </a:fillRef>
-          <a:effectRef idx="0">
-            <a:schemeClr val="accent1"/>
-          </a:effectRef>
-          <a:fontRef idx="minor">
-            <a:schemeClr val="lt1"/>
-          </a:fontRef>
-        </p:style>
-        <p:txBody>
-          <a:bodyPr rot="0" spcFirstLastPara="0" vertOverflow="overflow" horzOverflow="overflow" vert="horz" wrap="square" lIns="91440" tIns="45720" rIns="91440" bIns="45720" numCol="1" spcCol="0" rtlCol="0" fromWordArt="0" anchor="ctr" anchorCtr="0" forceAA="0" compatLnSpc="1">
-            <a:prstTxWarp prst="textNoShape">
+            <a:ln>
+              <a:solidFill>
+                <a:srgbClr val="39B54A"/>
+              </a:solidFill>
+            </a:ln>
+          </p:spPr>
+          <p:style>
+            <a:lnRef idx="2">
+              <a:schemeClr val="accent1">
+                <a:shade val="50000"/>
+              </a:schemeClr>
+            </a:lnRef>
+            <a:fillRef idx="1">
+              <a:schemeClr val="accent1"/>
+            </a:fillRef>
+            <a:effectRef idx="0">
+              <a:schemeClr val="accent1"/>
+            </a:effectRef>
+            <a:fontRef idx="minor">
+              <a:schemeClr val="lt1"/>
+            </a:fontRef>
+          </p:style>
+          <p:txBody>
+            <a:bodyPr rot="0" spcFirstLastPara="0" vertOverflow="overflow" horzOverflow="overflow" vert="horz" wrap="square" lIns="91440" tIns="45720" rIns="91440" bIns="45720" numCol="1" spcCol="0" rtlCol="0" fromWordArt="0" anchor="ctr" anchorCtr="0" forceAA="0" compatLnSpc="1">
+              <a:prstTxWarp prst="textNoShape">
+                <a:avLst/>
+              </a:prstTxWarp>
+              <a:noAutofit/>
+            </a:bodyPr>
+            <a:lstStyle/>
+            <a:p>
+              <a:r>
+                <a:rPr lang="en-US" sz="2400" dirty="0">
+                  <a:latin typeface="Lato" panose="020F0502020204030203" pitchFamily="34" charset="0"/>
+                </a:rPr>
+                <a:t>Report a bug</a:t>
+              </a:r>
+              <a:endParaRPr lang="en-US" sz="1100" dirty="0">
+                <a:latin typeface="Lato" panose="020F0502020204030203" pitchFamily="34" charset="0"/>
+              </a:endParaRPr>
+            </a:p>
+          </p:txBody>
+        </p:sp>
+        <p:pic>
+          <p:nvPicPr>
+            <p:cNvPr id="11" name="Picture 10">
+              <a:extLst>
+                <a:ext uri="{FF2B5EF4-FFF2-40B4-BE49-F238E27FC236}">
+                  <a16:creationId xmlns:a16="http://schemas.microsoft.com/office/drawing/2014/main" id="{0688688E-3F8F-4EA6-BD53-D7ADFA602FAE}"/>
+                </a:ext>
+              </a:extLst>
+            </p:cNvPr>
+            <p:cNvPicPr>
+              <a:picLocks noChangeAspect="1"/>
+            </p:cNvPicPr>
+            <p:nvPr/>
+          </p:nvPicPr>
+          <p:blipFill rotWithShape="1">
+            <a:blip r:embed="rId2"/>
+            <a:srcRect r="78073"/>
+            <a:stretch/>
+          </p:blipFill>
+          <p:spPr>
+            <a:xfrm>
+              <a:off x="5278630" y="4405046"/>
+              <a:ext cx="255311" cy="309909"/>
+            </a:xfrm>
+            <a:prstGeom prst="rect">
               <a:avLst/>
-            </a:prstTxWarp>
-            <a:noAutofit/>
-          </a:bodyPr>
-          <a:lstStyle/>
-          <a:p>
-            <a:r>
-              <a:rPr lang="en-US" sz="2400" dirty="0">
-                <a:latin typeface="Lato" panose="020F0502020204030203" pitchFamily="34" charset="0"/>
-              </a:rPr>
-              <a:t>AIDE Feedback</a:t>
-            </a:r>
-            <a:endParaRPr lang="en-US" sz="1100" dirty="0">
-              <a:latin typeface="Lato" panose="020F0502020204030203" pitchFamily="34" charset="0"/>
-            </a:endParaRPr>
-          </a:p>
-        </p:txBody>
-      </p:sp>
-      <p:pic>
-        <p:nvPicPr>
-          <p:cNvPr id="11" name="Picture 10">
-            <a:extLst>
-              <a:ext uri="{FF2B5EF4-FFF2-40B4-BE49-F238E27FC236}">
-                <a16:creationId xmlns:a16="http://schemas.microsoft.com/office/drawing/2014/main" id="{0688688E-3F8F-4EA6-BD53-D7ADFA602FAE}"/>
-              </a:ext>
-            </a:extLst>
-          </p:cNvPr>
-          <p:cNvPicPr>
-            <a:picLocks noChangeAspect="1"/>
-          </p:cNvPicPr>
-          <p:nvPr/>
-        </p:nvPicPr>
-        <p:blipFill rotWithShape="1">
-          <a:blip r:embed="rId2"/>
-          <a:srcRect r="78073"/>
-          <a:stretch/>
-        </p:blipFill>
-        <p:spPr>
-          <a:xfrm>
-            <a:off x="5650582" y="4405046"/>
-            <a:ext cx="255311" cy="309909"/>
-          </a:xfrm>
-          <a:prstGeom prst="rect">
-            <a:avLst/>
-          </a:prstGeom>
-        </p:spPr>
-      </p:pic>
+            </a:prstGeom>
+          </p:spPr>
+        </p:pic>
+      </p:grpSp>
       <p:pic>
         <p:nvPicPr>
           <p:cNvPr id="4" name="Picture 3">
@@ -16834,6 +16855,35 @@
           </a:fontRef>
         </p:style>
       </p:cxnSp>
+      <p:pic>
+        <p:nvPicPr>
+          <p:cNvPr id="19" name="Picture 18">
+            <a:extLst>
+              <a:ext uri="{FF2B5EF4-FFF2-40B4-BE49-F238E27FC236}">
+                <a16:creationId xmlns:a16="http://schemas.microsoft.com/office/drawing/2014/main" id="{AC4B1026-DB45-4721-A91E-6A7495186B45}"/>
+              </a:ext>
+            </a:extLst>
+          </p:cNvPr>
+          <p:cNvPicPr>
+            <a:picLocks noChangeAspect="1"/>
+          </p:cNvPicPr>
+          <p:nvPr/>
+        </p:nvPicPr>
+        <p:blipFill rotWithShape="1">
+          <a:blip r:embed="rId5"/>
+          <a:srcRect t="4997" b="18776"/>
+          <a:stretch/>
+        </p:blipFill>
+        <p:spPr>
+          <a:xfrm>
+            <a:off x="6013910" y="4378036"/>
+            <a:ext cx="2395936" cy="492606"/>
+          </a:xfrm>
+          <a:prstGeom prst="rect">
+            <a:avLst/>
+          </a:prstGeom>
+        </p:spPr>
+      </p:pic>
     </p:spTree>
     <p:extLst>
       <p:ext uri="{BB962C8B-B14F-4D97-AF65-F5344CB8AC3E}">
